--- a/gntr/Download_All_Graphics_in_This_Material.pptx
+++ b/gntr/Download_All_Graphics_in_This_Material.pptx
@@ -219,7 +219,7 @@
           <a:p>
             <a:fld id="{D0E8F3FD-8012-4C7C-BCFB-C23E18FC275E}" type="datetimeFigureOut">
               <a:rPr lang="en-US" smtClean="0"/>
-              <a:t>5/26/2023</a:t>
+              <a:t>7/6/2023</a:t>
             </a:fld>
             <a:endParaRPr lang="en-US" dirty="0"/>
           </a:p>
@@ -1650,7 +1650,7 @@
                 <a:ea typeface="Arial Unicode MS" pitchFamily="34" charset="-128"/>
                 <a:cs typeface="Arial Unicode MS" pitchFamily="34" charset="-128"/>
               </a:rPr>
-              <a:t>© 2021 Gartner, Inc. and/or its affiliates. All rights reserved. Gartner is a registered trademark of Gartner, Inc. and its affiliates. This presentation, including all supporting materials, is proprietary to Gartner, Inc. and/or its affiliates and is for the sole internal use of the intended recipients. Because this presentation may contain information that is confidential, proprietary or otherwise legally protected, it may not be further copied, distributed or publicly displayed without the express written permission of Gartner, Inc. or its affiliates.</a:t>
+              <a:t>© 2022 Gartner, Inc. and/or its affiliates. All rights reserved. Gartner is a registered trademark of Gartner, Inc. and its affiliates. This presentation, including all supporting materials, is proprietary to Gartner, Inc. and/or its affiliates and is for the sole internal use of the intended recipients. Because this presentation may contain information that is confidential, proprietary or otherwise legally protected, it may not be further copied, distributed or publicly displayed without the express written permission of Gartner, Inc. or its affiliates.</a:t>
             </a:r>
             <a:endParaRPr lang="en-US" sz="700" dirty="0">
               <a:solidFill>
@@ -4780,7 +4780,7 @@
                 <a:ea typeface="Arial Unicode MS" pitchFamily="34" charset="-128"/>
                 <a:cs typeface="Arial Unicode MS" pitchFamily="34" charset="-128"/>
               </a:rPr>
-              <a:t>© 2023 Gartner, Inc. and/or its affiliates. All rights reserved. Gartner is a registered trademark of Gartner, Inc. and its affiliates. This presentation, including all supporting materials, is proprietary to Gartner, Inc. and/or its affiliates and is for the sole internal use of the intended recipients. Because this presentation may contain information that is confidential, proprietary or otherwise legally protected, it may not be further copied, distributed or publicly displayed without the express written permission of Gartner, Inc. or its affiliates.</a:t>
+              <a:t>© 2022 Gartner, Inc. and/or its affiliates. All rights reserved. Gartner is a registered trademark of Gartner, Inc. and its affiliates. This presentation, including all supporting materials, is proprietary to Gartner, Inc. and/or its affiliates and is for the sole internal use of the intended recipients. Because this presentation may contain information that is confidential, proprietary or otherwise legally protected, it may not be further copied, distributed or publicly displayed without the express written permission of Gartner, Inc. or its affiliates.</a:t>
             </a:r>
             <a:endParaRPr lang="en-US" sz="700" dirty="0">
               <a:solidFill>
@@ -19904,37 +19904,38 @@
           <a:p>
             <a:pPr lvl="0"/>
             <a:r>
-              <a:rPr lang="en-US" dirty="0"/>
+              <a:rPr lang="en-US"/>
               <a:t>Click to edit Master text styles</a:t>
             </a:r>
           </a:p>
           <a:p>
             <a:pPr lvl="1"/>
             <a:r>
-              <a:rPr lang="en-US" dirty="0"/>
+              <a:rPr lang="en-US"/>
               <a:t>Second level</a:t>
             </a:r>
           </a:p>
           <a:p>
             <a:pPr lvl="2"/>
             <a:r>
-              <a:rPr lang="en-US" dirty="0"/>
+              <a:rPr lang="en-US"/>
               <a:t>Third level</a:t>
             </a:r>
           </a:p>
           <a:p>
             <a:pPr lvl="3"/>
             <a:r>
-              <a:rPr lang="en-US" dirty="0"/>
+              <a:rPr lang="en-US"/>
               <a:t>Fourth level</a:t>
             </a:r>
           </a:p>
           <a:p>
             <a:pPr lvl="4"/>
             <a:r>
-              <a:rPr lang="en-US" dirty="0"/>
+              <a:rPr lang="en-US"/>
               <a:t>Fifth level</a:t>
             </a:r>
+            <a:endParaRPr lang="en-US" dirty="0"/>
           </a:p>
         </p:txBody>
       </p:sp>
@@ -20042,7 +20043,7 @@
                   <a:srgbClr val="979D9D"/>
                 </a:solidFill>
               </a:rPr>
-              <a:t>	© 2023 Gartner, Inc. and/or its affiliates. All rights reserved. Gartner is a registered trademark of Gartner, Inc. and its affiliates.</a:t>
+              <a:t>	© 2022 Gartner, Inc. and/or its affiliates. All rights reserved. Gartner is a registered trademark of Gartner, Inc. and its affiliates.</a:t>
             </a:r>
           </a:p>
         </p:txBody>
@@ -22434,7 +22435,7 @@
           <p:cNvPr id="2" name="TextBox 1">
             <a:extLst>
               <a:ext uri="{FF2B5EF4-FFF2-40B4-BE49-F238E27FC236}">
-                <a16:creationId xmlns:a16="http://schemas.microsoft.com/office/drawing/2014/main" xmlns="" id="{C5B5D54D-1DC8-2C5A-0ADE-D27A228212E8}"/>
+                <a16:creationId xmlns:a16="http://schemas.microsoft.com/office/drawing/2014/main" xmlns="" id="{759C2CB0-B3C4-3106-64B2-3BC8DBF8F27F}"/>
               </a:ext>
             </a:extLst>
           </p:cNvPr>
@@ -22443,8 +22444,8 @@
         </p:nvSpPr>
         <p:spPr>
           <a:xfrm>
-            <a:off x="2070100" y="1524000"/>
-            <a:ext cx="4838700" cy="2308324"/>
+            <a:off x="2070100" y="1270000"/>
+            <a:ext cx="4838700" cy="2554545"/>
           </a:xfrm>
           <a:prstGeom prst="rect">
             <a:avLst/>
@@ -22458,15 +22459,15 @@
           <a:lstStyle/>
           <a:p>
             <a:r>
-              <a:rPr lang="en-US" sz="3600">
+              <a:rPr lang="en-US" sz="3200">
                 <a:solidFill>
                   <a:srgbClr val="002856"/>
                 </a:solidFill>
                 <a:latin typeface="Arial Black" panose="020B0A04020102020204" pitchFamily="34" charset="0"/>
               </a:rPr>
-              <a:t>Demystifying Semantic Layers for Self-Service Analytics</a:t>
-            </a:r>
-            <a:endParaRPr lang="en-US" sz="3600" dirty="0" err="1">
+              <a:t>Building a Data Management Architecture Using Amazon Web Services</a:t>
+            </a:r>
+            <a:endParaRPr lang="en-US" sz="3200" dirty="0" err="1">
               <a:solidFill>
                 <a:srgbClr val="002856"/>
               </a:solidFill>
@@ -22480,7 +22481,7 @@
           <p:cNvPr id="3" name="TextBox 2">
             <a:extLst>
               <a:ext uri="{FF2B5EF4-FFF2-40B4-BE49-F238E27FC236}">
-                <a16:creationId xmlns:a16="http://schemas.microsoft.com/office/drawing/2014/main" xmlns="" id="{DE14E461-2CF6-6A39-7A90-CFEC9020E659}"/>
+                <a16:creationId xmlns:a16="http://schemas.microsoft.com/office/drawing/2014/main" xmlns="" id="{05F247FB-585A-05A4-2632-084A9BBBA178}"/>
               </a:ext>
             </a:extLst>
           </p:cNvPr>
@@ -22526,7 +22527,7 @@
           <p:cNvPr id="4" name="TextBox 3">
             <a:extLst>
               <a:ext uri="{FF2B5EF4-FFF2-40B4-BE49-F238E27FC236}">
-                <a16:creationId xmlns:a16="http://schemas.microsoft.com/office/drawing/2014/main" xmlns="" id="{EE9691C0-E08A-D64B-20BB-4D7F4769C392}"/>
+                <a16:creationId xmlns:a16="http://schemas.microsoft.com/office/drawing/2014/main" xmlns="" id="{37E1EAFE-61A4-831A-2C72-5BA8F374960F}"/>
               </a:ext>
             </a:extLst>
           </p:cNvPr>
@@ -22556,7 +22557,7 @@
                 </a:solidFill>
                 <a:latin typeface="Arial" panose="020B0604020202020204" pitchFamily="34" charset="0"/>
               </a:rPr>
-              <a:t>Christopher Long, Joe Antelmi</a:t>
+              <a:t>Mayank Talwar, Zain Khan</a:t>
             </a:r>
             <a:endParaRPr lang="en-US" dirty="0" err="1">
               <a:solidFill>
@@ -22610,7 +22611,7 @@
           <p:cNvPr id="2" name="TextBox 1">
             <a:extLst>
               <a:ext uri="{FF2B5EF4-FFF2-40B4-BE49-F238E27FC236}">
-                <a16:creationId xmlns:a16="http://schemas.microsoft.com/office/drawing/2014/main" xmlns="" id="{9D893FCB-790E-C20E-B711-E3B96BFD96D7}"/>
+                <a16:creationId xmlns:a16="http://schemas.microsoft.com/office/drawing/2014/main" xmlns="" id="{67030048-9DB4-DD43-E51A-732765CD45E5}"/>
               </a:ext>
             </a:extLst>
           </p:cNvPr>
@@ -22656,7 +22657,7 @@
           <p:cNvPr id="4" name="Picture 3">
             <a:extLst>
               <a:ext uri="{FF2B5EF4-FFF2-40B4-BE49-F238E27FC236}">
-                <a16:creationId xmlns:a16="http://schemas.microsoft.com/office/drawing/2014/main" xmlns="" id="{31569335-423F-8D5C-1D1A-87F5C9BB2AF3}"/>
+                <a16:creationId xmlns:a16="http://schemas.microsoft.com/office/drawing/2014/main" xmlns="" id="{E873C960-2CAC-E87A-CB42-D651348543EA}"/>
               </a:ext>
             </a:extLst>
           </p:cNvPr>
@@ -22673,8 +22674,8 @@
         </p:blipFill>
         <p:spPr>
           <a:xfrm>
-            <a:off x="1524000" y="1193800"/>
-            <a:ext cx="9144672" cy="4465172"/>
+            <a:off x="2413000" y="685800"/>
+            <a:ext cx="7360849" cy="5486400"/>
           </a:xfrm>
           <a:prstGeom prst="rect">
             <a:avLst/>
@@ -22716,7 +22717,7 @@
           <p:cNvPr id="2" name="TextBox 1">
             <a:extLst>
               <a:ext uri="{FF2B5EF4-FFF2-40B4-BE49-F238E27FC236}">
-                <a16:creationId xmlns:a16="http://schemas.microsoft.com/office/drawing/2014/main" xmlns="" id="{ECD45F8D-4C18-B713-F499-9F594D112582}"/>
+                <a16:creationId xmlns:a16="http://schemas.microsoft.com/office/drawing/2014/main" xmlns="" id="{6414131D-9ED9-63F7-2010-DFA65AC07B14}"/>
               </a:ext>
             </a:extLst>
           </p:cNvPr>
@@ -22762,7 +22763,7 @@
           <p:cNvPr id="4" name="Picture 3">
             <a:extLst>
               <a:ext uri="{FF2B5EF4-FFF2-40B4-BE49-F238E27FC236}">
-                <a16:creationId xmlns:a16="http://schemas.microsoft.com/office/drawing/2014/main" xmlns="" id="{644AF16C-0381-39AF-96CB-35D4C60FA0F9}"/>
+                <a16:creationId xmlns:a16="http://schemas.microsoft.com/office/drawing/2014/main" xmlns="" id="{E525C8E2-2A07-5198-CF58-02369DCF703B}"/>
               </a:ext>
             </a:extLst>
           </p:cNvPr>
@@ -22779,8 +22780,8 @@
         </p:blipFill>
         <p:spPr>
           <a:xfrm>
-            <a:off x="1524000" y="1320800"/>
-            <a:ext cx="9144672" cy="4229411"/>
+            <a:off x="2374900" y="685800"/>
+            <a:ext cx="7454981" cy="5486400"/>
           </a:xfrm>
           <a:prstGeom prst="rect">
             <a:avLst/>
@@ -22790,7 +22791,7 @@
     </p:spTree>
     <p:extLst>
       <p:ext uri="{BB962C8B-B14F-4D97-AF65-F5344CB8AC3E}">
-        <p14:creationId xmlns:p14="http://schemas.microsoft.com/office/powerpoint/2010/main" val="2699533115"/>
+        <p14:creationId xmlns:p14="http://schemas.microsoft.com/office/powerpoint/2010/main" val="381979067"/>
       </p:ext>
     </p:extLst>
   </p:cSld>
@@ -22822,7 +22823,7 @@
           <p:cNvPr id="2" name="TextBox 1">
             <a:extLst>
               <a:ext uri="{FF2B5EF4-FFF2-40B4-BE49-F238E27FC236}">
-                <a16:creationId xmlns:a16="http://schemas.microsoft.com/office/drawing/2014/main" xmlns="" id="{5F5E9B6B-C7DE-E477-DEB2-3DEECB64B115}"/>
+                <a16:creationId xmlns:a16="http://schemas.microsoft.com/office/drawing/2014/main" xmlns="" id="{F55AEF96-E52B-038B-114E-F5DCD34803BE}"/>
               </a:ext>
             </a:extLst>
           </p:cNvPr>
@@ -22868,7 +22869,7 @@
           <p:cNvPr id="4" name="Picture 3">
             <a:extLst>
               <a:ext uri="{FF2B5EF4-FFF2-40B4-BE49-F238E27FC236}">
-                <a16:creationId xmlns:a16="http://schemas.microsoft.com/office/drawing/2014/main" xmlns="" id="{47CA53A4-655D-874C-0F30-098687DE724B}"/>
+                <a16:creationId xmlns:a16="http://schemas.microsoft.com/office/drawing/2014/main" xmlns="" id="{83C74213-F9CD-1459-1901-4B63161C54B2}"/>
               </a:ext>
             </a:extLst>
           </p:cNvPr>
@@ -22885,8 +22886,8 @@
         </p:blipFill>
         <p:spPr>
           <a:xfrm>
-            <a:off x="2806700" y="685800"/>
-            <a:ext cx="6581624" cy="5486400"/>
+            <a:off x="2070100" y="685800"/>
+            <a:ext cx="8062678" cy="5486400"/>
           </a:xfrm>
           <a:prstGeom prst="rect">
             <a:avLst/>
@@ -22896,7 +22897,7 @@
     </p:spTree>
     <p:extLst>
       <p:ext uri="{BB962C8B-B14F-4D97-AF65-F5344CB8AC3E}">
-        <p14:creationId xmlns:p14="http://schemas.microsoft.com/office/powerpoint/2010/main" val="2880228197"/>
+        <p14:creationId xmlns:p14="http://schemas.microsoft.com/office/powerpoint/2010/main" val="174591870"/>
       </p:ext>
     </p:extLst>
   </p:cSld>
@@ -22928,7 +22929,7 @@
           <p:cNvPr id="2" name="TextBox 1">
             <a:extLst>
               <a:ext uri="{FF2B5EF4-FFF2-40B4-BE49-F238E27FC236}">
-                <a16:creationId xmlns:a16="http://schemas.microsoft.com/office/drawing/2014/main" xmlns="" id="{3602AF0E-80A0-B7C9-F726-5DFF834B0BE9}"/>
+                <a16:creationId xmlns:a16="http://schemas.microsoft.com/office/drawing/2014/main" xmlns="" id="{DEE2C8F2-7AC0-8CB8-C855-B1F501061350}"/>
               </a:ext>
             </a:extLst>
           </p:cNvPr>
@@ -22974,7 +22975,7 @@
           <p:cNvPr id="4" name="Picture 3">
             <a:extLst>
               <a:ext uri="{FF2B5EF4-FFF2-40B4-BE49-F238E27FC236}">
-                <a16:creationId xmlns:a16="http://schemas.microsoft.com/office/drawing/2014/main" xmlns="" id="{09AC6D50-2E9F-EA86-8A8A-533473F278AB}"/>
+                <a16:creationId xmlns:a16="http://schemas.microsoft.com/office/drawing/2014/main" xmlns="" id="{CE604F2B-66C6-75E9-2544-2FEE441FBB14}"/>
               </a:ext>
             </a:extLst>
           </p:cNvPr>
@@ -22991,8 +22992,8 @@
         </p:blipFill>
         <p:spPr>
           <a:xfrm>
-            <a:off x="2159000" y="685800"/>
-            <a:ext cx="7872861" cy="5486400"/>
+            <a:off x="2222500" y="685800"/>
+            <a:ext cx="7742660" cy="5486400"/>
           </a:xfrm>
           <a:prstGeom prst="rect">
             <a:avLst/>
@@ -23002,7 +23003,7 @@
     </p:spTree>
     <p:extLst>
       <p:ext uri="{BB962C8B-B14F-4D97-AF65-F5344CB8AC3E}">
-        <p14:creationId xmlns:p14="http://schemas.microsoft.com/office/powerpoint/2010/main" val="3313382921"/>
+        <p14:creationId xmlns:p14="http://schemas.microsoft.com/office/powerpoint/2010/main" val="1441035553"/>
       </p:ext>
     </p:extLst>
   </p:cSld>
@@ -23034,7 +23035,7 @@
           <p:cNvPr id="2" name="TextBox 1">
             <a:extLst>
               <a:ext uri="{FF2B5EF4-FFF2-40B4-BE49-F238E27FC236}">
-                <a16:creationId xmlns:a16="http://schemas.microsoft.com/office/drawing/2014/main" xmlns="" id="{1628485A-7938-7993-F975-22FF2DD46905}"/>
+                <a16:creationId xmlns:a16="http://schemas.microsoft.com/office/drawing/2014/main" xmlns="" id="{1E99F6B6-DE59-2436-4692-86014164096D}"/>
               </a:ext>
             </a:extLst>
           </p:cNvPr>
@@ -23080,7 +23081,7 @@
           <p:cNvPr id="4" name="Picture 3">
             <a:extLst>
               <a:ext uri="{FF2B5EF4-FFF2-40B4-BE49-F238E27FC236}">
-                <a16:creationId xmlns:a16="http://schemas.microsoft.com/office/drawing/2014/main" xmlns="" id="{E0096AB9-8087-014A-9E47-30CC63A1B592}"/>
+                <a16:creationId xmlns:a16="http://schemas.microsoft.com/office/drawing/2014/main" xmlns="" id="{7901E606-1EA5-85D9-F4C0-248BBA090BC4}"/>
               </a:ext>
             </a:extLst>
           </p:cNvPr>
@@ -23097,8 +23098,8 @@
         </p:blipFill>
         <p:spPr>
           <a:xfrm>
-            <a:off x="2387600" y="685800"/>
-            <a:ext cx="7423459" cy="5486400"/>
+            <a:off x="2806700" y="685800"/>
+            <a:ext cx="6581624" cy="5486400"/>
           </a:xfrm>
           <a:prstGeom prst="rect">
             <a:avLst/>
@@ -23108,7 +23109,7 @@
     </p:spTree>
     <p:extLst>
       <p:ext uri="{BB962C8B-B14F-4D97-AF65-F5344CB8AC3E}">
-        <p14:creationId xmlns:p14="http://schemas.microsoft.com/office/powerpoint/2010/main" val="2074692205"/>
+        <p14:creationId xmlns:p14="http://schemas.microsoft.com/office/powerpoint/2010/main" val="611393801"/>
       </p:ext>
     </p:extLst>
   </p:cSld>
@@ -23140,7 +23141,7 @@
           <p:cNvPr id="2" name="TextBox 1">
             <a:extLst>
               <a:ext uri="{FF2B5EF4-FFF2-40B4-BE49-F238E27FC236}">
-                <a16:creationId xmlns:a16="http://schemas.microsoft.com/office/drawing/2014/main" xmlns="" id="{2D8784F9-EE61-7184-F482-060E15EAAAE5}"/>
+                <a16:creationId xmlns:a16="http://schemas.microsoft.com/office/drawing/2014/main" xmlns="" id="{3ACE364B-D77D-16ED-E408-605BFB2CDF97}"/>
               </a:ext>
             </a:extLst>
           </p:cNvPr>
@@ -23186,7 +23187,7 @@
           <p:cNvPr id="4" name="Picture 3">
             <a:extLst>
               <a:ext uri="{FF2B5EF4-FFF2-40B4-BE49-F238E27FC236}">
-                <a16:creationId xmlns:a16="http://schemas.microsoft.com/office/drawing/2014/main" xmlns="" id="{C4E96DB1-E1B3-2CCE-3016-5FA72F81FF3C}"/>
+                <a16:creationId xmlns:a16="http://schemas.microsoft.com/office/drawing/2014/main" xmlns="" id="{69DE9B91-2433-FE73-C410-84830FFAD824}"/>
               </a:ext>
             </a:extLst>
           </p:cNvPr>
@@ -23203,8 +23204,8 @@
         </p:blipFill>
         <p:spPr>
           <a:xfrm>
-            <a:off x="2260600" y="685800"/>
-            <a:ext cx="7666585" cy="5486400"/>
+            <a:off x="2984500" y="1549400"/>
+            <a:ext cx="6218576" cy="3772182"/>
           </a:xfrm>
           <a:prstGeom prst="rect">
             <a:avLst/>
@@ -23214,7 +23215,7 @@
     </p:spTree>
     <p:extLst>
       <p:ext uri="{BB962C8B-B14F-4D97-AF65-F5344CB8AC3E}">
-        <p14:creationId xmlns:p14="http://schemas.microsoft.com/office/powerpoint/2010/main" val="2691911055"/>
+        <p14:creationId xmlns:p14="http://schemas.microsoft.com/office/powerpoint/2010/main" val="3361358028"/>
       </p:ext>
     </p:extLst>
   </p:cSld>
@@ -23246,7 +23247,7 @@
           <p:cNvPr id="2" name="TextBox 1">
             <a:extLst>
               <a:ext uri="{FF2B5EF4-FFF2-40B4-BE49-F238E27FC236}">
-                <a16:creationId xmlns:a16="http://schemas.microsoft.com/office/drawing/2014/main" xmlns="" id="{2E94DDB6-B767-73C7-3229-229AC9CF7CE4}"/>
+                <a16:creationId xmlns:a16="http://schemas.microsoft.com/office/drawing/2014/main" xmlns="" id="{FE060D7B-E323-9209-82CF-A2916C70DE53}"/>
               </a:ext>
             </a:extLst>
           </p:cNvPr>
@@ -23292,7 +23293,7 @@
           <p:cNvPr id="4" name="Picture 3">
             <a:extLst>
               <a:ext uri="{FF2B5EF4-FFF2-40B4-BE49-F238E27FC236}">
-                <a16:creationId xmlns:a16="http://schemas.microsoft.com/office/drawing/2014/main" xmlns="" id="{44961EC0-13CD-8E93-B2D0-0EEBD5855782}"/>
+                <a16:creationId xmlns:a16="http://schemas.microsoft.com/office/drawing/2014/main" xmlns="" id="{8EE1AAD7-8FF6-E25D-C88D-0F80EA17EFDF}"/>
               </a:ext>
             </a:extLst>
           </p:cNvPr>
@@ -23309,8 +23310,8 @@
         </p:blipFill>
         <p:spPr>
           <a:xfrm>
-            <a:off x="2133600" y="685800"/>
-            <a:ext cx="7935133" cy="5486400"/>
+            <a:off x="1524000" y="889000"/>
+            <a:ext cx="9144672" cy="5079579"/>
           </a:xfrm>
           <a:prstGeom prst="rect">
             <a:avLst/>
@@ -23320,7 +23321,7 @@
     </p:spTree>
     <p:extLst>
       <p:ext uri="{BB962C8B-B14F-4D97-AF65-F5344CB8AC3E}">
-        <p14:creationId xmlns:p14="http://schemas.microsoft.com/office/powerpoint/2010/main" val="3810096067"/>
+        <p14:creationId xmlns:p14="http://schemas.microsoft.com/office/powerpoint/2010/main" val="27869616"/>
       </p:ext>
     </p:extLst>
   </p:cSld>
